--- a/Presentacion proyecto.pptx
+++ b/Presentacion proyecto.pptx
@@ -167,7 +167,7 @@
           <a:noFill/>
           <a:extLst>
             <a:ext uri="{909E8E84-426E-40dd-AFC4-6F175D3DCCD1}">
-              <a14:hiddenFill xmlns:a14="http://schemas.microsoft.com/office/drawing/2010/main" xmlns="">
+              <a14:hiddenFill xmlns="" xmlns:a14="http://schemas.microsoft.com/office/drawing/2010/main">
                 <a:solidFill>
                   <a:srgbClr val="FFFFFF"/>
                 </a:solidFill>
@@ -227,7 +227,7 @@
             </a:ln>
             <a:extLst>
               <a:ext uri="{91240B29-F687-4f45-9708-019B960494DF}">
-                <a14:hiddenLine xmlns:a14="http://schemas.microsoft.com/office/drawing/2010/main" xmlns="" w="9525">
+                <a14:hiddenLine xmlns="" xmlns:a14="http://schemas.microsoft.com/office/drawing/2010/main" w="9525">
                   <a:solidFill>
                     <a:srgbClr val="000000"/>
                   </a:solidFill>
@@ -317,7 +317,7 @@
             </a:ln>
             <a:extLst>
               <a:ext uri="{91240B29-F687-4f45-9708-019B960494DF}">
-                <a14:hiddenLine xmlns:a14="http://schemas.microsoft.com/office/drawing/2010/main" xmlns="" w="9525">
+                <a14:hiddenLine xmlns="" xmlns:a14="http://schemas.microsoft.com/office/drawing/2010/main" w="9525">
                   <a:solidFill>
                     <a:srgbClr val="000000"/>
                   </a:solidFill>
@@ -407,7 +407,7 @@
             </a:ln>
             <a:extLst>
               <a:ext uri="{91240B29-F687-4f45-9708-019B960494DF}">
-                <a14:hiddenLine xmlns:a14="http://schemas.microsoft.com/office/drawing/2010/main" xmlns="" w="9525">
+                <a14:hiddenLine xmlns="" xmlns:a14="http://schemas.microsoft.com/office/drawing/2010/main" w="9525">
                   <a:solidFill>
                     <a:srgbClr val="000000"/>
                   </a:solidFill>
@@ -441,7 +441,7 @@
             </a:ln>
             <a:extLst>
               <a:ext uri="{91240B29-F687-4f45-9708-019B960494DF}">
-                <a14:hiddenLine xmlns:a14="http://schemas.microsoft.com/office/drawing/2010/main" xmlns="" w="9525">
+                <a14:hiddenLine xmlns="" xmlns:a14="http://schemas.microsoft.com/office/drawing/2010/main" w="9525">
                   <a:solidFill>
                     <a:srgbClr val="000000"/>
                   </a:solidFill>
@@ -531,7 +531,7 @@
             </a:ln>
             <a:extLst>
               <a:ext uri="{91240B29-F687-4f45-9708-019B960494DF}">
-                <a14:hiddenLine xmlns:a14="http://schemas.microsoft.com/office/drawing/2010/main" xmlns="" w="9525">
+                <a14:hiddenLine xmlns="" xmlns:a14="http://schemas.microsoft.com/office/drawing/2010/main" w="9525">
                   <a:solidFill>
                     <a:srgbClr val="000000"/>
                   </a:solidFill>
@@ -593,7 +593,7 @@
             </a:ln>
             <a:extLst>
               <a:ext uri="{91240B29-F687-4f45-9708-019B960494DF}">
-                <a14:hiddenLine xmlns:a14="http://schemas.microsoft.com/office/drawing/2010/main" xmlns="" w="9525">
+                <a14:hiddenLine xmlns="" xmlns:a14="http://schemas.microsoft.com/office/drawing/2010/main" w="9525">
                   <a:solidFill>
                     <a:srgbClr val="000000"/>
                   </a:solidFill>
@@ -655,7 +655,7 @@
             </a:ln>
             <a:extLst>
               <a:ext uri="{91240B29-F687-4f45-9708-019B960494DF}">
-                <a14:hiddenLine xmlns:a14="http://schemas.microsoft.com/office/drawing/2010/main" xmlns="" w="9525">
+                <a14:hiddenLine xmlns="" xmlns:a14="http://schemas.microsoft.com/office/drawing/2010/main" w="9525">
                   <a:solidFill>
                     <a:srgbClr val="000000"/>
                   </a:solidFill>
@@ -745,7 +745,7 @@
             </a:ln>
             <a:extLst>
               <a:ext uri="{91240B29-F687-4f45-9708-019B960494DF}">
-                <a14:hiddenLine xmlns:a14="http://schemas.microsoft.com/office/drawing/2010/main" xmlns="" w="9525">
+                <a14:hiddenLine xmlns="" xmlns:a14="http://schemas.microsoft.com/office/drawing/2010/main" w="9525">
                   <a:solidFill>
                     <a:srgbClr val="000000"/>
                   </a:solidFill>
@@ -807,7 +807,7 @@
             </a:ln>
             <a:extLst>
               <a:ext uri="{91240B29-F687-4f45-9708-019B960494DF}">
-                <a14:hiddenLine xmlns:a14="http://schemas.microsoft.com/office/drawing/2010/main" xmlns="" w="9525">
+                <a14:hiddenLine xmlns="" xmlns:a14="http://schemas.microsoft.com/office/drawing/2010/main" w="9525">
                   <a:solidFill>
                     <a:srgbClr val="000000"/>
                   </a:solidFill>
@@ -869,7 +869,7 @@
             </a:ln>
             <a:extLst>
               <a:ext uri="{91240B29-F687-4f45-9708-019B960494DF}">
-                <a14:hiddenLine xmlns:a14="http://schemas.microsoft.com/office/drawing/2010/main" xmlns="" w="9525">
+                <a14:hiddenLine xmlns="" xmlns:a14="http://schemas.microsoft.com/office/drawing/2010/main" w="9525">
                   <a:solidFill>
                     <a:srgbClr val="000000"/>
                   </a:solidFill>
@@ -959,7 +959,7 @@
             </a:ln>
             <a:extLst>
               <a:ext uri="{91240B29-F687-4f45-9708-019B960494DF}">
-                <a14:hiddenLine xmlns:a14="http://schemas.microsoft.com/office/drawing/2010/main" xmlns="" w="9525">
+                <a14:hiddenLine xmlns="" xmlns:a14="http://schemas.microsoft.com/office/drawing/2010/main" w="9525">
                   <a:solidFill>
                     <a:srgbClr val="000000"/>
                   </a:solidFill>
@@ -1049,7 +1049,7 @@
             </a:ln>
             <a:extLst>
               <a:ext uri="{91240B29-F687-4f45-9708-019B960494DF}">
-                <a14:hiddenLine xmlns:a14="http://schemas.microsoft.com/office/drawing/2010/main" xmlns="" w="9525">
+                <a14:hiddenLine xmlns="" xmlns:a14="http://schemas.microsoft.com/office/drawing/2010/main" w="9525">
                   <a:solidFill>
                     <a:srgbClr val="000000"/>
                   </a:solidFill>
@@ -1111,7 +1111,7 @@
             </a:ln>
             <a:extLst>
               <a:ext uri="{91240B29-F687-4f45-9708-019B960494DF}">
-                <a14:hiddenLine xmlns:a14="http://schemas.microsoft.com/office/drawing/2010/main" xmlns="" w="9525">
+                <a14:hiddenLine xmlns="" xmlns:a14="http://schemas.microsoft.com/office/drawing/2010/main" w="9525">
                   <a:solidFill>
                     <a:srgbClr val="000000"/>
                   </a:solidFill>
@@ -1221,7 +1221,7 @@
             </a:ln>
             <a:extLst>
               <a:ext uri="{91240B29-F687-4f45-9708-019B960494DF}">
-                <a14:hiddenLine xmlns:a14="http://schemas.microsoft.com/office/drawing/2010/main" xmlns="" w="9525">
+                <a14:hiddenLine xmlns="" xmlns:a14="http://schemas.microsoft.com/office/drawing/2010/main" w="9525">
                   <a:solidFill>
                     <a:srgbClr val="000000"/>
                   </a:solidFill>
@@ -1283,7 +1283,7 @@
             </a:ln>
             <a:extLst>
               <a:ext uri="{91240B29-F687-4f45-9708-019B960494DF}">
-                <a14:hiddenLine xmlns:a14="http://schemas.microsoft.com/office/drawing/2010/main" xmlns="" w="9525">
+                <a14:hiddenLine xmlns="" xmlns:a14="http://schemas.microsoft.com/office/drawing/2010/main" w="9525">
                   <a:solidFill>
                     <a:srgbClr val="000000"/>
                   </a:solidFill>
@@ -1373,7 +1373,7 @@
             </a:ln>
             <a:extLst>
               <a:ext uri="{91240B29-F687-4f45-9708-019B960494DF}">
-                <a14:hiddenLine xmlns:a14="http://schemas.microsoft.com/office/drawing/2010/main" xmlns="" w="9525">
+                <a14:hiddenLine xmlns="" xmlns:a14="http://schemas.microsoft.com/office/drawing/2010/main" w="9525">
                   <a:solidFill>
                     <a:srgbClr val="000000"/>
                   </a:solidFill>
@@ -1463,7 +1463,7 @@
             </a:ln>
             <a:extLst>
               <a:ext uri="{91240B29-F687-4f45-9708-019B960494DF}">
-                <a14:hiddenLine xmlns:a14="http://schemas.microsoft.com/office/drawing/2010/main" xmlns="" w="9525">
+                <a14:hiddenLine xmlns="" xmlns:a14="http://schemas.microsoft.com/office/drawing/2010/main" w="9525">
                   <a:solidFill>
                     <a:srgbClr val="000000"/>
                   </a:solidFill>
@@ -1525,7 +1525,7 @@
             </a:ln>
             <a:extLst>
               <a:ext uri="{91240B29-F687-4f45-9708-019B960494DF}">
-                <a14:hiddenLine xmlns:a14="http://schemas.microsoft.com/office/drawing/2010/main" xmlns="" w="9525">
+                <a14:hiddenLine xmlns="" xmlns:a14="http://schemas.microsoft.com/office/drawing/2010/main" w="9525">
                   <a:solidFill>
                     <a:srgbClr val="000000"/>
                   </a:solidFill>
@@ -1615,7 +1615,7 @@
             </a:ln>
             <a:extLst>
               <a:ext uri="{91240B29-F687-4f45-9708-019B960494DF}">
-                <a14:hiddenLine xmlns:a14="http://schemas.microsoft.com/office/drawing/2010/main" xmlns="" w="9525">
+                <a14:hiddenLine xmlns="" xmlns:a14="http://schemas.microsoft.com/office/drawing/2010/main" w="9525">
                   <a:solidFill>
                     <a:srgbClr val="000000"/>
                   </a:solidFill>
@@ -1705,7 +1705,7 @@
             </a:ln>
             <a:extLst>
               <a:ext uri="{91240B29-F687-4f45-9708-019B960494DF}">
-                <a14:hiddenLine xmlns:a14="http://schemas.microsoft.com/office/drawing/2010/main" xmlns="" w="9525">
+                <a14:hiddenLine xmlns="" xmlns:a14="http://schemas.microsoft.com/office/drawing/2010/main" w="9525">
                   <a:solidFill>
                     <a:srgbClr val="000000"/>
                   </a:solidFill>
@@ -1761,7 +1761,7 @@
             </a:ln>
             <a:extLst>
               <a:ext uri="{91240B29-F687-4f45-9708-019B960494DF}">
-                <a14:hiddenLine xmlns:a14="http://schemas.microsoft.com/office/drawing/2010/main" xmlns="" w="9525">
+                <a14:hiddenLine xmlns="" xmlns:a14="http://schemas.microsoft.com/office/drawing/2010/main" w="9525">
                   <a:solidFill>
                     <a:srgbClr val="000000"/>
                   </a:solidFill>
@@ -1851,7 +1851,7 @@
             </a:ln>
             <a:extLst>
               <a:ext uri="{91240B29-F687-4f45-9708-019B960494DF}">
-                <a14:hiddenLine xmlns:a14="http://schemas.microsoft.com/office/drawing/2010/main" xmlns="" w="9525">
+                <a14:hiddenLine xmlns="" xmlns:a14="http://schemas.microsoft.com/office/drawing/2010/main" w="9525">
                   <a:solidFill>
                     <a:srgbClr val="000000"/>
                   </a:solidFill>
@@ -1907,7 +1907,7 @@
             </a:ln>
             <a:extLst>
               <a:ext uri="{91240B29-F687-4f45-9708-019B960494DF}">
-                <a14:hiddenLine xmlns:a14="http://schemas.microsoft.com/office/drawing/2010/main" xmlns="" w="9525">
+                <a14:hiddenLine xmlns="" xmlns:a14="http://schemas.microsoft.com/office/drawing/2010/main" w="9525">
                   <a:solidFill>
                     <a:srgbClr val="000000"/>
                   </a:solidFill>
@@ -1997,7 +1997,7 @@
             </a:ln>
             <a:extLst>
               <a:ext uri="{91240B29-F687-4f45-9708-019B960494DF}">
-                <a14:hiddenLine xmlns:a14="http://schemas.microsoft.com/office/drawing/2010/main" xmlns="" w="9525">
+                <a14:hiddenLine xmlns="" xmlns:a14="http://schemas.microsoft.com/office/drawing/2010/main" w="9525">
                   <a:solidFill>
                     <a:srgbClr val="000000"/>
                   </a:solidFill>
@@ -2065,7 +2065,7 @@
             </a:ln>
             <a:extLst>
               <a:ext uri="{91240B29-F687-4f45-9708-019B960494DF}">
-                <a14:hiddenLine xmlns:a14="http://schemas.microsoft.com/office/drawing/2010/main" xmlns="" w="9525">
+                <a14:hiddenLine xmlns="" xmlns:a14="http://schemas.microsoft.com/office/drawing/2010/main" w="9525">
                   <a:solidFill>
                     <a:srgbClr val="000000"/>
                   </a:solidFill>
@@ -2155,7 +2155,7 @@
             </a:ln>
             <a:extLst>
               <a:ext uri="{91240B29-F687-4f45-9708-019B960494DF}">
-                <a14:hiddenLine xmlns:a14="http://schemas.microsoft.com/office/drawing/2010/main" xmlns="" w="9525">
+                <a14:hiddenLine xmlns="" xmlns:a14="http://schemas.microsoft.com/office/drawing/2010/main" w="9525">
                   <a:solidFill>
                     <a:srgbClr val="000000"/>
                   </a:solidFill>
@@ -2223,7 +2223,7 @@
             </a:ln>
             <a:extLst>
               <a:ext uri="{91240B29-F687-4f45-9708-019B960494DF}">
-                <a14:hiddenLine xmlns:a14="http://schemas.microsoft.com/office/drawing/2010/main" xmlns="" w="9525">
+                <a14:hiddenLine xmlns="" xmlns:a14="http://schemas.microsoft.com/office/drawing/2010/main" w="9525">
                   <a:solidFill>
                     <a:srgbClr val="000000"/>
                   </a:solidFill>
@@ -2313,7 +2313,7 @@
             </a:ln>
             <a:extLst>
               <a:ext uri="{91240B29-F687-4f45-9708-019B960494DF}">
-                <a14:hiddenLine xmlns:a14="http://schemas.microsoft.com/office/drawing/2010/main" xmlns="" w="9525">
+                <a14:hiddenLine xmlns="" xmlns:a14="http://schemas.microsoft.com/office/drawing/2010/main" w="9525">
                   <a:solidFill>
                     <a:srgbClr val="000000"/>
                   </a:solidFill>
@@ -2347,7 +2347,7 @@
             </a:ln>
             <a:extLst>
               <a:ext uri="{91240B29-F687-4f45-9708-019B960494DF}">
-                <a14:hiddenLine xmlns:a14="http://schemas.microsoft.com/office/drawing/2010/main" xmlns="" w="9525">
+                <a14:hiddenLine xmlns="" xmlns:a14="http://schemas.microsoft.com/office/drawing/2010/main" w="9525">
                   <a:solidFill>
                     <a:srgbClr val="000000"/>
                   </a:solidFill>
@@ -2437,7 +2437,7 @@
             </a:ln>
             <a:extLst>
               <a:ext uri="{91240B29-F687-4f45-9708-019B960494DF}">
-                <a14:hiddenLine xmlns:a14="http://schemas.microsoft.com/office/drawing/2010/main" xmlns="" w="9525">
+                <a14:hiddenLine xmlns="" xmlns:a14="http://schemas.microsoft.com/office/drawing/2010/main" w="9525">
                   <a:solidFill>
                     <a:srgbClr val="000000"/>
                   </a:solidFill>
@@ -2499,7 +2499,7 @@
             </a:ln>
             <a:extLst>
               <a:ext uri="{91240B29-F687-4f45-9708-019B960494DF}">
-                <a14:hiddenLine xmlns:a14="http://schemas.microsoft.com/office/drawing/2010/main" xmlns="" w="9525">
+                <a14:hiddenLine xmlns="" xmlns:a14="http://schemas.microsoft.com/office/drawing/2010/main" w="9525">
                   <a:solidFill>
                     <a:srgbClr val="000000"/>
                   </a:solidFill>
@@ -2561,7 +2561,7 @@
             </a:ln>
             <a:extLst>
               <a:ext uri="{91240B29-F687-4f45-9708-019B960494DF}">
-                <a14:hiddenLine xmlns:a14="http://schemas.microsoft.com/office/drawing/2010/main" xmlns="" w="9525">
+                <a14:hiddenLine xmlns="" xmlns:a14="http://schemas.microsoft.com/office/drawing/2010/main" w="9525">
                   <a:solidFill>
                     <a:srgbClr val="000000"/>
                   </a:solidFill>
@@ -2651,7 +2651,7 @@
             </a:ln>
             <a:extLst>
               <a:ext uri="{91240B29-F687-4f45-9708-019B960494DF}">
-                <a14:hiddenLine xmlns:a14="http://schemas.microsoft.com/office/drawing/2010/main" xmlns="" w="9525">
+                <a14:hiddenLine xmlns="" xmlns:a14="http://schemas.microsoft.com/office/drawing/2010/main" w="9525">
                   <a:solidFill>
                     <a:srgbClr val="000000"/>
                   </a:solidFill>
@@ -2719,7 +2719,7 @@
             </a:ln>
             <a:extLst>
               <a:ext uri="{91240B29-F687-4f45-9708-019B960494DF}">
-                <a14:hiddenLine xmlns:a14="http://schemas.microsoft.com/office/drawing/2010/main" xmlns="" w="9525">
+                <a14:hiddenLine xmlns="" xmlns:a14="http://schemas.microsoft.com/office/drawing/2010/main" w="9525">
                   <a:solidFill>
                     <a:srgbClr val="000000"/>
                   </a:solidFill>
@@ -2781,7 +2781,7 @@
             </a:ln>
             <a:extLst>
               <a:ext uri="{91240B29-F687-4f45-9708-019B960494DF}">
-                <a14:hiddenLine xmlns:a14="http://schemas.microsoft.com/office/drawing/2010/main" xmlns="" w="9525">
+                <a14:hiddenLine xmlns="" xmlns:a14="http://schemas.microsoft.com/office/drawing/2010/main" w="9525">
                   <a:solidFill>
                     <a:srgbClr val="000000"/>
                   </a:solidFill>
@@ -2871,7 +2871,7 @@
             </a:ln>
             <a:extLst>
               <a:ext uri="{91240B29-F687-4f45-9708-019B960494DF}">
-                <a14:hiddenLine xmlns:a14="http://schemas.microsoft.com/office/drawing/2010/main" xmlns="" w="9525">
+                <a14:hiddenLine xmlns="" xmlns:a14="http://schemas.microsoft.com/office/drawing/2010/main" w="9525">
                   <a:solidFill>
                     <a:srgbClr val="000000"/>
                   </a:solidFill>
@@ -2933,7 +2933,7 @@
             </a:ln>
             <a:extLst>
               <a:ext uri="{91240B29-F687-4f45-9708-019B960494DF}">
-                <a14:hiddenLine xmlns:a14="http://schemas.microsoft.com/office/drawing/2010/main" xmlns="" w="9525">
+                <a14:hiddenLine xmlns="" xmlns:a14="http://schemas.microsoft.com/office/drawing/2010/main" w="9525">
                   <a:solidFill>
                     <a:srgbClr val="000000"/>
                   </a:solidFill>
@@ -3023,7 +3023,7 @@
             </a:ln>
             <a:extLst>
               <a:ext uri="{91240B29-F687-4f45-9708-019B960494DF}">
-                <a14:hiddenLine xmlns:a14="http://schemas.microsoft.com/office/drawing/2010/main" xmlns="" w="9525">
+                <a14:hiddenLine xmlns="" xmlns:a14="http://schemas.microsoft.com/office/drawing/2010/main" w="9525">
                   <a:solidFill>
                     <a:srgbClr val="000000"/>
                   </a:solidFill>
@@ -3085,7 +3085,7 @@
             </a:ln>
             <a:extLst>
               <a:ext uri="{91240B29-F687-4f45-9708-019B960494DF}">
-                <a14:hiddenLine xmlns:a14="http://schemas.microsoft.com/office/drawing/2010/main" xmlns="" w="9525">
+                <a14:hiddenLine xmlns="" xmlns:a14="http://schemas.microsoft.com/office/drawing/2010/main" w="9525">
                   <a:solidFill>
                     <a:srgbClr val="000000"/>
                   </a:solidFill>
@@ -3175,7 +3175,7 @@
             </a:ln>
             <a:extLst>
               <a:ext uri="{91240B29-F687-4f45-9708-019B960494DF}">
-                <a14:hiddenLine xmlns:a14="http://schemas.microsoft.com/office/drawing/2010/main" xmlns="" w="9525">
+                <a14:hiddenLine xmlns="" xmlns:a14="http://schemas.microsoft.com/office/drawing/2010/main" w="9525">
                   <a:solidFill>
                     <a:srgbClr val="000000"/>
                   </a:solidFill>
@@ -3209,7 +3209,7 @@
             </a:ln>
             <a:extLst>
               <a:ext uri="{91240B29-F687-4f45-9708-019B960494DF}">
-                <a14:hiddenLine xmlns:a14="http://schemas.microsoft.com/office/drawing/2010/main" xmlns="" w="9525">
+                <a14:hiddenLine xmlns="" xmlns:a14="http://schemas.microsoft.com/office/drawing/2010/main" w="9525">
                   <a:solidFill>
                     <a:srgbClr val="000000"/>
                   </a:solidFill>
@@ -3274,7 +3274,7 @@
             </a:ln>
             <a:extLst>
               <a:ext uri="{91240B29-F687-4f45-9708-019B960494DF}">
-                <a14:hiddenLine xmlns:a14="http://schemas.microsoft.com/office/drawing/2010/main" xmlns="" w="9525">
+                <a14:hiddenLine xmlns="" xmlns:a14="http://schemas.microsoft.com/office/drawing/2010/main" w="9525">
                   <a:solidFill>
                     <a:srgbClr val="000000"/>
                   </a:solidFill>
@@ -3364,7 +3364,7 @@
             </a:ln>
             <a:extLst>
               <a:ext uri="{91240B29-F687-4f45-9708-019B960494DF}">
-                <a14:hiddenLine xmlns:a14="http://schemas.microsoft.com/office/drawing/2010/main" xmlns="" w="9525">
+                <a14:hiddenLine xmlns="" xmlns:a14="http://schemas.microsoft.com/office/drawing/2010/main" w="9525">
                   <a:solidFill>
                     <a:srgbClr val="000000"/>
                   </a:solidFill>
@@ -3426,7 +3426,7 @@
             </a:ln>
             <a:extLst>
               <a:ext uri="{91240B29-F687-4f45-9708-019B960494DF}">
-                <a14:hiddenLine xmlns:a14="http://schemas.microsoft.com/office/drawing/2010/main" xmlns="" w="9525">
+                <a14:hiddenLine xmlns="" xmlns:a14="http://schemas.microsoft.com/office/drawing/2010/main" w="9525">
                   <a:solidFill>
                     <a:srgbClr val="000000"/>
                   </a:solidFill>
@@ -3516,7 +3516,7 @@
             </a:ln>
             <a:extLst>
               <a:ext uri="{91240B29-F687-4f45-9708-019B960494DF}">
-                <a14:hiddenLine xmlns:a14="http://schemas.microsoft.com/office/drawing/2010/main" xmlns="" w="9525">
+                <a14:hiddenLine xmlns="" xmlns:a14="http://schemas.microsoft.com/office/drawing/2010/main" w="9525">
                   <a:solidFill>
                     <a:srgbClr val="000000"/>
                   </a:solidFill>
@@ -3606,7 +3606,7 @@
             </a:ln>
             <a:extLst>
               <a:ext uri="{91240B29-F687-4f45-9708-019B960494DF}">
-                <a14:hiddenLine xmlns:a14="http://schemas.microsoft.com/office/drawing/2010/main" xmlns="" w="9525">
+                <a14:hiddenLine xmlns="" xmlns:a14="http://schemas.microsoft.com/office/drawing/2010/main" w="9525">
                   <a:solidFill>
                     <a:srgbClr val="000000"/>
                   </a:solidFill>
@@ -3671,7 +3671,7 @@
             </a:ln>
             <a:extLst>
               <a:ext uri="{91240B29-F687-4f45-9708-019B960494DF}">
-                <a14:hiddenLine xmlns:a14="http://schemas.microsoft.com/office/drawing/2010/main" xmlns="" w="9525">
+                <a14:hiddenLine xmlns="" xmlns:a14="http://schemas.microsoft.com/office/drawing/2010/main" w="9525">
                   <a:solidFill>
                     <a:srgbClr val="000000"/>
                   </a:solidFill>
@@ -3733,7 +3733,7 @@
             </a:ln>
             <a:extLst>
               <a:ext uri="{91240B29-F687-4f45-9708-019B960494DF}">
-                <a14:hiddenLine xmlns:a14="http://schemas.microsoft.com/office/drawing/2010/main" xmlns="" w="9525">
+                <a14:hiddenLine xmlns="" xmlns:a14="http://schemas.microsoft.com/office/drawing/2010/main" w="9525">
                   <a:solidFill>
                     <a:srgbClr val="000000"/>
                   </a:solidFill>
@@ -3823,7 +3823,7 @@
             </a:ln>
             <a:extLst>
               <a:ext uri="{91240B29-F687-4f45-9708-019B960494DF}">
-                <a14:hiddenLine xmlns:a14="http://schemas.microsoft.com/office/drawing/2010/main" xmlns="" w="9525">
+                <a14:hiddenLine xmlns="" xmlns:a14="http://schemas.microsoft.com/office/drawing/2010/main" w="9525">
                   <a:solidFill>
                     <a:srgbClr val="000000"/>
                   </a:solidFill>
@@ -3913,7 +3913,7 @@
             </a:ln>
             <a:extLst>
               <a:ext uri="{91240B29-F687-4f45-9708-019B960494DF}">
-                <a14:hiddenLine xmlns:a14="http://schemas.microsoft.com/office/drawing/2010/main" xmlns="" w="9525">
+                <a14:hiddenLine xmlns="" xmlns:a14="http://schemas.microsoft.com/office/drawing/2010/main" w="9525">
                   <a:solidFill>
                     <a:srgbClr val="000000"/>
                   </a:solidFill>
@@ -3975,7 +3975,7 @@
             </a:ln>
             <a:extLst>
               <a:ext uri="{91240B29-F687-4f45-9708-019B960494DF}">
-                <a14:hiddenLine xmlns:a14="http://schemas.microsoft.com/office/drawing/2010/main" xmlns="" w="9525">
+                <a14:hiddenLine xmlns="" xmlns:a14="http://schemas.microsoft.com/office/drawing/2010/main" w="9525">
                   <a:solidFill>
                     <a:srgbClr val="000000"/>
                   </a:solidFill>
@@ -4095,7 +4095,7 @@
             </a:ln>
             <a:extLst>
               <a:ext uri="{91240B29-F687-4f45-9708-019B960494DF}">
-                <a14:hiddenLine xmlns:a14="http://schemas.microsoft.com/office/drawing/2010/main" xmlns="" w="9525">
+                <a14:hiddenLine xmlns="" xmlns:a14="http://schemas.microsoft.com/office/drawing/2010/main" w="9525">
                   <a:solidFill>
                     <a:srgbClr val="000000"/>
                   </a:solidFill>
@@ -4163,7 +4163,7 @@
             </a:ln>
             <a:extLst>
               <a:ext uri="{91240B29-F687-4f45-9708-019B960494DF}">
-                <a14:hiddenLine xmlns:a14="http://schemas.microsoft.com/office/drawing/2010/main" xmlns="" w="9525">
+                <a14:hiddenLine xmlns="" xmlns:a14="http://schemas.microsoft.com/office/drawing/2010/main" w="9525">
                   <a:solidFill>
                     <a:srgbClr val="000000"/>
                   </a:solidFill>
@@ -4253,7 +4253,7 @@
             </a:ln>
             <a:extLst>
               <a:ext uri="{91240B29-F687-4f45-9708-019B960494DF}">
-                <a14:hiddenLine xmlns:a14="http://schemas.microsoft.com/office/drawing/2010/main" xmlns="" w="9525">
+                <a14:hiddenLine xmlns="" xmlns:a14="http://schemas.microsoft.com/office/drawing/2010/main" w="9525">
                   <a:solidFill>
                     <a:srgbClr val="000000"/>
                   </a:solidFill>
@@ -9060,7 +9060,7 @@
           <a:noFill/>
           <a:extLst>
             <a:ext uri="{909E8E84-426E-40dd-AFC4-6F175D3DCCD1}">
-              <a14:hiddenFill xmlns:a14="http://schemas.microsoft.com/office/drawing/2010/main" xmlns="">
+              <a14:hiddenFill xmlns="" xmlns:a14="http://schemas.microsoft.com/office/drawing/2010/main">
                 <a:solidFill>
                   <a:srgbClr val="FFFFFF"/>
                 </a:solidFill>
@@ -9134,7 +9134,7 @@
               </a:ln>
               <a:extLst>
                 <a:ext uri="{91240B29-F687-4f45-9708-019B960494DF}">
-                  <a14:hiddenLine xmlns:a14="http://schemas.microsoft.com/office/drawing/2010/main" xmlns="" w="9525">
+                  <a14:hiddenLine xmlns="" xmlns:a14="http://schemas.microsoft.com/office/drawing/2010/main" w="9525">
                     <a:solidFill>
                       <a:srgbClr val="000000"/>
                     </a:solidFill>
@@ -9224,7 +9224,7 @@
               </a:ln>
               <a:extLst>
                 <a:ext uri="{91240B29-F687-4f45-9708-019B960494DF}">
-                  <a14:hiddenLine xmlns:a14="http://schemas.microsoft.com/office/drawing/2010/main" xmlns="" w="9525">
+                  <a14:hiddenLine xmlns="" xmlns:a14="http://schemas.microsoft.com/office/drawing/2010/main" w="9525">
                     <a:solidFill>
                       <a:srgbClr val="000000"/>
                     </a:solidFill>
@@ -9314,7 +9314,7 @@
               </a:ln>
               <a:extLst>
                 <a:ext uri="{91240B29-F687-4f45-9708-019B960494DF}">
-                  <a14:hiddenLine xmlns:a14="http://schemas.microsoft.com/office/drawing/2010/main" xmlns="" w="9525">
+                  <a14:hiddenLine xmlns="" xmlns:a14="http://schemas.microsoft.com/office/drawing/2010/main" w="9525">
                     <a:solidFill>
                       <a:srgbClr val="000000"/>
                     </a:solidFill>
@@ -9376,7 +9376,7 @@
               </a:ln>
               <a:extLst>
                 <a:ext uri="{91240B29-F687-4f45-9708-019B960494DF}">
-                  <a14:hiddenLine xmlns:a14="http://schemas.microsoft.com/office/drawing/2010/main" xmlns="" w="9525">
+                  <a14:hiddenLine xmlns="" xmlns:a14="http://schemas.microsoft.com/office/drawing/2010/main" w="9525">
                     <a:solidFill>
                       <a:srgbClr val="000000"/>
                     </a:solidFill>
@@ -9466,7 +9466,7 @@
               </a:ln>
               <a:extLst>
                 <a:ext uri="{91240B29-F687-4f45-9708-019B960494DF}">
-                  <a14:hiddenLine xmlns:a14="http://schemas.microsoft.com/office/drawing/2010/main" xmlns="" w="9525">
+                  <a14:hiddenLine xmlns="" xmlns:a14="http://schemas.microsoft.com/office/drawing/2010/main" w="9525">
                     <a:solidFill>
                       <a:srgbClr val="000000"/>
                     </a:solidFill>
@@ -9528,7 +9528,7 @@
               </a:ln>
               <a:extLst>
                 <a:ext uri="{91240B29-F687-4f45-9708-019B960494DF}">
-                  <a14:hiddenLine xmlns:a14="http://schemas.microsoft.com/office/drawing/2010/main" xmlns="" w="9525">
+                  <a14:hiddenLine xmlns="" xmlns:a14="http://schemas.microsoft.com/office/drawing/2010/main" w="9525">
                     <a:solidFill>
                       <a:srgbClr val="000000"/>
                     </a:solidFill>
@@ -9590,7 +9590,7 @@
               </a:ln>
               <a:extLst>
                 <a:ext uri="{91240B29-F687-4f45-9708-019B960494DF}">
-                  <a14:hiddenLine xmlns:a14="http://schemas.microsoft.com/office/drawing/2010/main" xmlns="" w="9525">
+                  <a14:hiddenLine xmlns="" xmlns:a14="http://schemas.microsoft.com/office/drawing/2010/main" w="9525">
                     <a:solidFill>
                       <a:srgbClr val="000000"/>
                     </a:solidFill>
@@ -9680,7 +9680,7 @@
               </a:ln>
               <a:extLst>
                 <a:ext uri="{91240B29-F687-4f45-9708-019B960494DF}">
-                  <a14:hiddenLine xmlns:a14="http://schemas.microsoft.com/office/drawing/2010/main" xmlns="" w="9525">
+                  <a14:hiddenLine xmlns="" xmlns:a14="http://schemas.microsoft.com/office/drawing/2010/main" w="9525">
                     <a:solidFill>
                       <a:srgbClr val="000000"/>
                     </a:solidFill>
@@ -9770,7 +9770,7 @@
               </a:ln>
               <a:extLst>
                 <a:ext uri="{91240B29-F687-4f45-9708-019B960494DF}">
-                  <a14:hiddenLine xmlns:a14="http://schemas.microsoft.com/office/drawing/2010/main" xmlns="" w="9525">
+                  <a14:hiddenLine xmlns="" xmlns:a14="http://schemas.microsoft.com/office/drawing/2010/main" w="9525">
                     <a:solidFill>
                       <a:srgbClr val="000000"/>
                     </a:solidFill>
@@ -9832,7 +9832,7 @@
               </a:ln>
               <a:extLst>
                 <a:ext uri="{91240B29-F687-4f45-9708-019B960494DF}">
-                  <a14:hiddenLine xmlns:a14="http://schemas.microsoft.com/office/drawing/2010/main" xmlns="" w="9525">
+                  <a14:hiddenLine xmlns="" xmlns:a14="http://schemas.microsoft.com/office/drawing/2010/main" w="9525">
                     <a:solidFill>
                       <a:srgbClr val="000000"/>
                     </a:solidFill>
@@ -9942,7 +9942,7 @@
               </a:ln>
               <a:extLst>
                 <a:ext uri="{91240B29-F687-4f45-9708-019B960494DF}">
-                  <a14:hiddenLine xmlns:a14="http://schemas.microsoft.com/office/drawing/2010/main" xmlns="" w="9525">
+                  <a14:hiddenLine xmlns="" xmlns:a14="http://schemas.microsoft.com/office/drawing/2010/main" w="9525">
                     <a:solidFill>
                       <a:srgbClr val="000000"/>
                     </a:solidFill>
@@ -10026,7 +10026,7 @@
               </a:ln>
               <a:extLst>
                 <a:ext uri="{91240B29-F687-4f45-9708-019B960494DF}">
-                  <a14:hiddenLine xmlns:a14="http://schemas.microsoft.com/office/drawing/2010/main" xmlns="" w="9525">
+                  <a14:hiddenLine xmlns="" xmlns:a14="http://schemas.microsoft.com/office/drawing/2010/main" w="9525">
                     <a:solidFill>
                       <a:srgbClr val="000000"/>
                     </a:solidFill>
@@ -10088,7 +10088,7 @@
               </a:ln>
               <a:extLst>
                 <a:ext uri="{91240B29-F687-4f45-9708-019B960494DF}">
-                  <a14:hiddenLine xmlns:a14="http://schemas.microsoft.com/office/drawing/2010/main" xmlns="" w="9525">
+                  <a14:hiddenLine xmlns="" xmlns:a14="http://schemas.microsoft.com/office/drawing/2010/main" w="9525">
                     <a:solidFill>
                       <a:srgbClr val="000000"/>
                     </a:solidFill>
@@ -10150,7 +10150,7 @@
               </a:ln>
               <a:extLst>
                 <a:ext uri="{91240B29-F687-4f45-9708-019B960494DF}">
-                  <a14:hiddenLine xmlns:a14="http://schemas.microsoft.com/office/drawing/2010/main" xmlns="" w="9525">
+                  <a14:hiddenLine xmlns="" xmlns:a14="http://schemas.microsoft.com/office/drawing/2010/main" w="9525">
                     <a:solidFill>
                       <a:srgbClr val="000000"/>
                     </a:solidFill>
@@ -10240,7 +10240,7 @@
               </a:ln>
               <a:extLst>
                 <a:ext uri="{91240B29-F687-4f45-9708-019B960494DF}">
-                  <a14:hiddenLine xmlns:a14="http://schemas.microsoft.com/office/drawing/2010/main" xmlns="" w="9525">
+                  <a14:hiddenLine xmlns="" xmlns:a14="http://schemas.microsoft.com/office/drawing/2010/main" w="9525">
                     <a:solidFill>
                       <a:srgbClr val="000000"/>
                     </a:solidFill>
@@ -10274,7 +10274,7 @@
               </a:ln>
               <a:extLst>
                 <a:ext uri="{91240B29-F687-4f45-9708-019B960494DF}">
-                  <a14:hiddenLine xmlns:a14="http://schemas.microsoft.com/office/drawing/2010/main" xmlns="" w="9525">
+                  <a14:hiddenLine xmlns="" xmlns:a14="http://schemas.microsoft.com/office/drawing/2010/main" w="9525">
                     <a:solidFill>
                       <a:srgbClr val="000000"/>
                     </a:solidFill>
@@ -10339,7 +10339,7 @@
               </a:ln>
               <a:extLst>
                 <a:ext uri="{91240B29-F687-4f45-9708-019B960494DF}">
-                  <a14:hiddenLine xmlns:a14="http://schemas.microsoft.com/office/drawing/2010/main" xmlns="" w="9525">
+                  <a14:hiddenLine xmlns="" xmlns:a14="http://schemas.microsoft.com/office/drawing/2010/main" w="9525">
                     <a:solidFill>
                       <a:srgbClr val="000000"/>
                     </a:solidFill>
@@ -10429,7 +10429,7 @@
               </a:ln>
               <a:extLst>
                 <a:ext uri="{91240B29-F687-4f45-9708-019B960494DF}">
-                  <a14:hiddenLine xmlns:a14="http://schemas.microsoft.com/office/drawing/2010/main" xmlns="" w="9525">
+                  <a14:hiddenLine xmlns="" xmlns:a14="http://schemas.microsoft.com/office/drawing/2010/main" w="9525">
                     <a:solidFill>
                       <a:srgbClr val="000000"/>
                     </a:solidFill>
@@ -10491,7 +10491,7 @@
               </a:ln>
               <a:extLst>
                 <a:ext uri="{91240B29-F687-4f45-9708-019B960494DF}">
-                  <a14:hiddenLine xmlns:a14="http://schemas.microsoft.com/office/drawing/2010/main" xmlns="" w="9525">
+                  <a14:hiddenLine xmlns="" xmlns:a14="http://schemas.microsoft.com/office/drawing/2010/main" w="9525">
                     <a:solidFill>
                       <a:srgbClr val="000000"/>
                     </a:solidFill>
@@ -10581,7 +10581,7 @@
               </a:ln>
               <a:extLst>
                 <a:ext uri="{91240B29-F687-4f45-9708-019B960494DF}">
-                  <a14:hiddenLine xmlns:a14="http://schemas.microsoft.com/office/drawing/2010/main" xmlns="" w="9525">
+                  <a14:hiddenLine xmlns="" xmlns:a14="http://schemas.microsoft.com/office/drawing/2010/main" w="9525">
                     <a:solidFill>
                       <a:srgbClr val="000000"/>
                     </a:solidFill>
@@ -10646,7 +10646,7 @@
               </a:ln>
               <a:extLst>
                 <a:ext uri="{91240B29-F687-4f45-9708-019B960494DF}">
-                  <a14:hiddenLine xmlns:a14="http://schemas.microsoft.com/office/drawing/2010/main" xmlns="" w="9525">
+                  <a14:hiddenLine xmlns="" xmlns:a14="http://schemas.microsoft.com/office/drawing/2010/main" w="9525">
                     <a:solidFill>
                       <a:srgbClr val="000000"/>
                     </a:solidFill>
@@ -10708,7 +10708,7 @@
               </a:ln>
               <a:extLst>
                 <a:ext uri="{91240B29-F687-4f45-9708-019B960494DF}">
-                  <a14:hiddenLine xmlns:a14="http://schemas.microsoft.com/office/drawing/2010/main" xmlns="" w="9525">
+                  <a14:hiddenLine xmlns="" xmlns:a14="http://schemas.microsoft.com/office/drawing/2010/main" w="9525">
                     <a:solidFill>
                       <a:srgbClr val="000000"/>
                     </a:solidFill>
@@ -10798,7 +10798,7 @@
               </a:ln>
               <a:extLst>
                 <a:ext uri="{91240B29-F687-4f45-9708-019B960494DF}">
-                  <a14:hiddenLine xmlns:a14="http://schemas.microsoft.com/office/drawing/2010/main" xmlns="" w="9525">
+                  <a14:hiddenLine xmlns="" xmlns:a14="http://schemas.microsoft.com/office/drawing/2010/main" w="9525">
                     <a:solidFill>
                       <a:srgbClr val="000000"/>
                     </a:solidFill>
@@ -10888,7 +10888,7 @@
               </a:ln>
               <a:extLst>
                 <a:ext uri="{91240B29-F687-4f45-9708-019B960494DF}">
-                  <a14:hiddenLine xmlns:a14="http://schemas.microsoft.com/office/drawing/2010/main" xmlns="" w="9525">
+                  <a14:hiddenLine xmlns="" xmlns:a14="http://schemas.microsoft.com/office/drawing/2010/main" w="9525">
                     <a:solidFill>
                       <a:srgbClr val="000000"/>
                     </a:solidFill>
@@ -10953,7 +10953,7 @@
               </a:ln>
               <a:extLst>
                 <a:ext uri="{91240B29-F687-4f45-9708-019B960494DF}">
-                  <a14:hiddenLine xmlns:a14="http://schemas.microsoft.com/office/drawing/2010/main" xmlns="" w="9525">
+                  <a14:hiddenLine xmlns="" xmlns:a14="http://schemas.microsoft.com/office/drawing/2010/main" w="9525">
                     <a:solidFill>
                       <a:srgbClr val="000000"/>
                     </a:solidFill>
@@ -11073,7 +11073,7 @@
               </a:ln>
               <a:extLst>
                 <a:ext uri="{91240B29-F687-4f45-9708-019B960494DF}">
-                  <a14:hiddenLine xmlns:a14="http://schemas.microsoft.com/office/drawing/2010/main" xmlns="" w="9525">
+                  <a14:hiddenLine xmlns="" xmlns:a14="http://schemas.microsoft.com/office/drawing/2010/main" w="9525">
                     <a:solidFill>
                       <a:srgbClr val="000000"/>
                     </a:solidFill>
@@ -11171,7 +11171,7 @@
               </a:ln>
               <a:extLst>
                 <a:ext uri="{91240B29-F687-4f45-9708-019B960494DF}">
-                  <a14:hiddenLine xmlns:a14="http://schemas.microsoft.com/office/drawing/2010/main" xmlns="" w="9525">
+                  <a14:hiddenLine xmlns="" xmlns:a14="http://schemas.microsoft.com/office/drawing/2010/main" w="9525">
                     <a:solidFill>
                       <a:srgbClr val="000000"/>
                     </a:solidFill>
@@ -11286,7 +11286,7 @@
               </a:ln>
               <a:extLst>
                 <a:ext uri="{91240B29-F687-4f45-9708-019B960494DF}">
-                  <a14:hiddenLine xmlns:a14="http://schemas.microsoft.com/office/drawing/2010/main" xmlns="" w="9525">
+                  <a14:hiddenLine xmlns="" xmlns:a14="http://schemas.microsoft.com/office/drawing/2010/main" w="9525">
                     <a:solidFill>
                       <a:srgbClr val="000000"/>
                     </a:solidFill>
@@ -11376,7 +11376,7 @@
               </a:ln>
               <a:extLst>
                 <a:ext uri="{91240B29-F687-4f45-9708-019B960494DF}">
-                  <a14:hiddenLine xmlns:a14="http://schemas.microsoft.com/office/drawing/2010/main" xmlns="" w="9525">
+                  <a14:hiddenLine xmlns="" xmlns:a14="http://schemas.microsoft.com/office/drawing/2010/main" w="9525">
                     <a:solidFill>
                       <a:srgbClr val="000000"/>
                     </a:solidFill>
@@ -11441,7 +11441,7 @@
               </a:ln>
               <a:extLst>
                 <a:ext uri="{91240B29-F687-4f45-9708-019B960494DF}">
-                  <a14:hiddenLine xmlns:a14="http://schemas.microsoft.com/office/drawing/2010/main" xmlns="" w="9525">
+                  <a14:hiddenLine xmlns="" xmlns:a14="http://schemas.microsoft.com/office/drawing/2010/main" w="9525">
                     <a:solidFill>
                       <a:srgbClr val="000000"/>
                     </a:solidFill>
@@ -11531,7 +11531,7 @@
               </a:ln>
               <a:extLst>
                 <a:ext uri="{91240B29-F687-4f45-9708-019B960494DF}">
-                  <a14:hiddenLine xmlns:a14="http://schemas.microsoft.com/office/drawing/2010/main" xmlns="" w="9525">
+                  <a14:hiddenLine xmlns="" xmlns:a14="http://schemas.microsoft.com/office/drawing/2010/main" w="9525">
                     <a:solidFill>
                       <a:srgbClr val="000000"/>
                     </a:solidFill>
@@ -11599,7 +11599,7 @@
               </a:ln>
               <a:extLst>
                 <a:ext uri="{91240B29-F687-4f45-9708-019B960494DF}">
-                  <a14:hiddenLine xmlns:a14="http://schemas.microsoft.com/office/drawing/2010/main" xmlns="" w="9525">
+                  <a14:hiddenLine xmlns="" xmlns:a14="http://schemas.microsoft.com/office/drawing/2010/main" w="9525">
                     <a:solidFill>
                       <a:srgbClr val="000000"/>
                     </a:solidFill>
@@ -11689,7 +11689,7 @@
               </a:ln>
               <a:extLst>
                 <a:ext uri="{91240B29-F687-4f45-9708-019B960494DF}">
-                  <a14:hiddenLine xmlns:a14="http://schemas.microsoft.com/office/drawing/2010/main" xmlns="" w="9525">
+                  <a14:hiddenLine xmlns="" xmlns:a14="http://schemas.microsoft.com/office/drawing/2010/main" w="9525">
                     <a:solidFill>
                       <a:srgbClr val="000000"/>
                     </a:solidFill>
@@ -11757,7 +11757,7 @@
               </a:ln>
               <a:extLst>
                 <a:ext uri="{91240B29-F687-4f45-9708-019B960494DF}">
-                  <a14:hiddenLine xmlns:a14="http://schemas.microsoft.com/office/drawing/2010/main" xmlns="" w="9525">
+                  <a14:hiddenLine xmlns="" xmlns:a14="http://schemas.microsoft.com/office/drawing/2010/main" w="9525">
                     <a:solidFill>
                       <a:srgbClr val="000000"/>
                     </a:solidFill>
@@ -11847,7 +11847,7 @@
               </a:ln>
               <a:extLst>
                 <a:ext uri="{91240B29-F687-4f45-9708-019B960494DF}">
-                  <a14:hiddenLine xmlns:a14="http://schemas.microsoft.com/office/drawing/2010/main" xmlns="" w="9525">
+                  <a14:hiddenLine xmlns="" xmlns:a14="http://schemas.microsoft.com/office/drawing/2010/main" w="9525">
                     <a:solidFill>
                       <a:srgbClr val="000000"/>
                     </a:solidFill>
@@ -11881,7 +11881,7 @@
               </a:ln>
               <a:extLst>
                 <a:ext uri="{91240B29-F687-4f45-9708-019B960494DF}">
-                  <a14:hiddenLine xmlns:a14="http://schemas.microsoft.com/office/drawing/2010/main" xmlns="" w="9525">
+                  <a14:hiddenLine xmlns="" xmlns:a14="http://schemas.microsoft.com/office/drawing/2010/main" w="9525">
                     <a:solidFill>
                       <a:srgbClr val="000000"/>
                     </a:solidFill>
@@ -12503,6 +12503,20 @@
             </a:r>
           </a:p>
           <a:p>
+            <a:r>
+              <a:rPr lang="es-MX" dirty="0"/>
+              <a:t>Evaristo Osuna </a:t>
+            </a:r>
+            <a:r>
+              <a:rPr lang="es-MX" dirty="0" err="1"/>
+              <a:t>marroquin</a:t>
+            </a:r>
+            <a:r>
+              <a:rPr lang="es-MX" dirty="0"/>
+              <a:t>	a01177175</a:t>
+            </a:r>
+          </a:p>
+          <a:p>
             <a:endParaRPr lang="en-US" dirty="0"/>
           </a:p>
         </p:txBody>
